--- a/chapters/background/figures/disaggregated_1.pptx
+++ b/chapters/background/figures/disaggregated_1.pptx
@@ -197,7 +197,7 @@
           <a:p>
             <a:fld id="{991D226F-EA4D-4A7C-8B26-7AC9EDFBE28F}" type="datetimeFigureOut">
               <a:rPr lang="en-US" smtClean="0"/>
-              <a:t>4/26/2021</a:t>
+              <a:t>4/28/2021</a:t>
             </a:fld>
             <a:endParaRPr lang="en-US"/>
           </a:p>
@@ -695,7 +695,7 @@
           <a:p>
             <a:fld id="{3C8334AA-194E-4794-A282-76AE11A0D206}" type="datetimeFigureOut">
               <a:rPr lang="en-US" smtClean="0"/>
-              <a:t>4/26/2021</a:t>
+              <a:t>4/28/2021</a:t>
             </a:fld>
             <a:endParaRPr lang="en-US"/>
           </a:p>
@@ -893,7 +893,7 @@
           <a:p>
             <a:fld id="{3C8334AA-194E-4794-A282-76AE11A0D206}" type="datetimeFigureOut">
               <a:rPr lang="en-US" smtClean="0"/>
-              <a:t>4/26/2021</a:t>
+              <a:t>4/28/2021</a:t>
             </a:fld>
             <a:endParaRPr lang="en-US"/>
           </a:p>
@@ -1101,7 +1101,7 @@
           <a:p>
             <a:fld id="{3C8334AA-194E-4794-A282-76AE11A0D206}" type="datetimeFigureOut">
               <a:rPr lang="en-US" smtClean="0"/>
-              <a:t>4/26/2021</a:t>
+              <a:t>4/28/2021</a:t>
             </a:fld>
             <a:endParaRPr lang="en-US"/>
           </a:p>
@@ -1299,7 +1299,7 @@
           <a:p>
             <a:fld id="{3C8334AA-194E-4794-A282-76AE11A0D206}" type="datetimeFigureOut">
               <a:rPr lang="en-US" smtClean="0"/>
-              <a:t>4/26/2021</a:t>
+              <a:t>4/28/2021</a:t>
             </a:fld>
             <a:endParaRPr lang="en-US"/>
           </a:p>
@@ -1574,7 +1574,7 @@
           <a:p>
             <a:fld id="{3C8334AA-194E-4794-A282-76AE11A0D206}" type="datetimeFigureOut">
               <a:rPr lang="en-US" smtClean="0"/>
-              <a:t>4/26/2021</a:t>
+              <a:t>4/28/2021</a:t>
             </a:fld>
             <a:endParaRPr lang="en-US"/>
           </a:p>
@@ -1839,7 +1839,7 @@
           <a:p>
             <a:fld id="{3C8334AA-194E-4794-A282-76AE11A0D206}" type="datetimeFigureOut">
               <a:rPr lang="en-US" smtClean="0"/>
-              <a:t>4/26/2021</a:t>
+              <a:t>4/28/2021</a:t>
             </a:fld>
             <a:endParaRPr lang="en-US"/>
           </a:p>
@@ -2251,7 +2251,7 @@
           <a:p>
             <a:fld id="{3C8334AA-194E-4794-A282-76AE11A0D206}" type="datetimeFigureOut">
               <a:rPr lang="en-US" smtClean="0"/>
-              <a:t>4/26/2021</a:t>
+              <a:t>4/28/2021</a:t>
             </a:fld>
             <a:endParaRPr lang="en-US"/>
           </a:p>
@@ -2392,7 +2392,7 @@
           <a:p>
             <a:fld id="{3C8334AA-194E-4794-A282-76AE11A0D206}" type="datetimeFigureOut">
               <a:rPr lang="en-US" smtClean="0"/>
-              <a:t>4/26/2021</a:t>
+              <a:t>4/28/2021</a:t>
             </a:fld>
             <a:endParaRPr lang="en-US"/>
           </a:p>
@@ -2505,7 +2505,7 @@
           <a:p>
             <a:fld id="{3C8334AA-194E-4794-A282-76AE11A0D206}" type="datetimeFigureOut">
               <a:rPr lang="en-US" smtClean="0"/>
-              <a:t>4/26/2021</a:t>
+              <a:t>4/28/2021</a:t>
             </a:fld>
             <a:endParaRPr lang="en-US"/>
           </a:p>
@@ -2816,7 +2816,7 @@
           <a:p>
             <a:fld id="{3C8334AA-194E-4794-A282-76AE11A0D206}" type="datetimeFigureOut">
               <a:rPr lang="en-US" smtClean="0"/>
-              <a:t>4/26/2021</a:t>
+              <a:t>4/28/2021</a:t>
             </a:fld>
             <a:endParaRPr lang="en-US"/>
           </a:p>
@@ -3104,7 +3104,7 @@
           <a:p>
             <a:fld id="{3C8334AA-194E-4794-A282-76AE11A0D206}" type="datetimeFigureOut">
               <a:rPr lang="en-US" smtClean="0"/>
-              <a:t>4/26/2021</a:t>
+              <a:t>4/28/2021</a:t>
             </a:fld>
             <a:endParaRPr lang="en-US"/>
           </a:p>
@@ -3345,7 +3345,7 @@
           <a:p>
             <a:fld id="{3C8334AA-194E-4794-A282-76AE11A0D206}" type="datetimeFigureOut">
               <a:rPr lang="en-US" smtClean="0"/>
-              <a:t>4/26/2021</a:t>
+              <a:t>4/28/2021</a:t>
             </a:fld>
             <a:endParaRPr lang="en-US"/>
           </a:p>
@@ -5070,8 +5070,8 @@
         </p:nvCxnSpPr>
         <p:spPr>
           <a:xfrm rot="5400000">
-            <a:off x="4368040" y="2942275"/>
-            <a:ext cx="910050" cy="1777794"/>
+            <a:off x="4405403" y="2904912"/>
+            <a:ext cx="835325" cy="1777794"/>
           </a:xfrm>
           <a:prstGeom prst="bentConnector2">
             <a:avLst/>
@@ -6389,7 +6389,7 @@
                     <a:schemeClr val="tx1"/>
                   </a:solidFill>
                 </a:rPr>
-                <a:t>Memory</a:t>
+                <a:t>GPU</a:t>
               </a:r>
             </a:p>
             <a:p>
@@ -6743,7 +6743,7 @@
                     <a:schemeClr val="tx1"/>
                   </a:solidFill>
                 </a:rPr>
-                <a:t>Memory</a:t>
+                <a:t>GPU</a:t>
               </a:r>
             </a:p>
             <a:p>
@@ -7035,7 +7035,7 @@
         </p:nvGrpSpPr>
         <p:grpSpPr>
           <a:xfrm>
-            <a:off x="675726" y="3595604"/>
+            <a:off x="675726" y="3520879"/>
             <a:ext cx="3258442" cy="880162"/>
             <a:chOff x="1069450" y="808866"/>
             <a:chExt cx="2773043" cy="749047"/>
@@ -7097,7 +7097,7 @@
                     <a:schemeClr val="tx1"/>
                   </a:solidFill>
                 </a:rPr>
-                <a:t>Compute</a:t>
+                <a:t>Storage</a:t>
               </a:r>
             </a:p>
             <a:p>
@@ -7389,7 +7389,7 @@
         </p:nvGrpSpPr>
         <p:grpSpPr>
           <a:xfrm>
-            <a:off x="675726" y="4571073"/>
+            <a:off x="675726" y="4496348"/>
             <a:ext cx="3258442" cy="880162"/>
             <a:chOff x="1069450" y="808866"/>
             <a:chExt cx="2773043" cy="749047"/>
@@ -7451,7 +7451,7 @@
                     <a:schemeClr val="tx1"/>
                   </a:solidFill>
                 </a:rPr>
-                <a:t>Compute</a:t>
+                <a:t>Storage</a:t>
               </a:r>
             </a:p>
             <a:p>
